--- a/ppt 16-9/0963.昨日的忠心丢在.pptx
+++ b/ppt 16-9/0963.昨日的忠心丢在.pptx
@@ -5,7 +5,7 @@
     <p:sldMasterId id="2147483648" r:id="rId1"/>
   </p:sldMasterIdLst>
   <p:sldIdLst>
-    <p:sldId id="354" r:id="rId2"/>
+    <p:sldId id="355" r:id="rId2"/>
   </p:sldIdLst>
   <p:sldSz cx="12192000" cy="6858000"/>
   <p:notesSz cx="6858000" cy="9144000"/>
@@ -129,7 +129,7 @@
           <p:cNvPr id="2" name="标题 1">
             <a:extLst>
               <a:ext uri="{FF2B5EF4-FFF2-40B4-BE49-F238E27FC236}">
-                <a16:creationId xmlns:a16="http://schemas.microsoft.com/office/drawing/2014/main" id="{D1E57A8F-4557-707A-1C10-65A8F1F4EFBE}"/>
+                <a16:creationId xmlns:a16="http://schemas.microsoft.com/office/drawing/2014/main" id="{F320F607-01E6-E163-14FD-CE2C6DC63F6E}"/>
               </a:ext>
             </a:extLst>
           </p:cNvPr>
@@ -166,7 +166,7 @@
           <p:cNvPr id="3" name="副标题 2">
             <a:extLst>
               <a:ext uri="{FF2B5EF4-FFF2-40B4-BE49-F238E27FC236}">
-                <a16:creationId xmlns:a16="http://schemas.microsoft.com/office/drawing/2014/main" id="{5D42655F-D96C-4334-8025-925AA79A0311}"/>
+                <a16:creationId xmlns:a16="http://schemas.microsoft.com/office/drawing/2014/main" id="{2D9EA640-97E3-7618-034E-0AB94A6E97F3}"/>
               </a:ext>
             </a:extLst>
           </p:cNvPr>
@@ -236,7 +236,7 @@
           <p:cNvPr id="4" name="日期占位符 3">
             <a:extLst>
               <a:ext uri="{FF2B5EF4-FFF2-40B4-BE49-F238E27FC236}">
-                <a16:creationId xmlns:a16="http://schemas.microsoft.com/office/drawing/2014/main" id="{D41E379D-E639-8821-B31F-2D9FE8E152CF}"/>
+                <a16:creationId xmlns:a16="http://schemas.microsoft.com/office/drawing/2014/main" id="{ED3668A7-4B0C-84CF-9A7A-4FB7EFF0D1E1}"/>
               </a:ext>
             </a:extLst>
           </p:cNvPr>
@@ -252,7 +252,7 @@
           <a:bodyPr/>
           <a:lstStyle/>
           <a:p>
-            <a:fld id="{54C2FFC8-D5DD-4B12-9BE7-E57C11C5DCA0}" type="datetimeFigureOut">
+            <a:fld id="{73BF88D8-B709-440F-BD5A-BD1F539FF1B5}" type="datetimeFigureOut">
               <a:rPr lang="zh-CN" altLang="en-US" smtClean="0"/>
               <a:t>2024/3/10</a:t>
             </a:fld>
@@ -265,7 +265,7 @@
           <p:cNvPr id="5" name="页脚占位符 4">
             <a:extLst>
               <a:ext uri="{FF2B5EF4-FFF2-40B4-BE49-F238E27FC236}">
-                <a16:creationId xmlns:a16="http://schemas.microsoft.com/office/drawing/2014/main" id="{FA0E6F9D-57B1-D26B-E0B3-05E23BB94792}"/>
+                <a16:creationId xmlns:a16="http://schemas.microsoft.com/office/drawing/2014/main" id="{F97EC07A-5235-4353-39A8-C4F639972451}"/>
               </a:ext>
             </a:extLst>
           </p:cNvPr>
@@ -290,7 +290,7 @@
           <p:cNvPr id="6" name="灯片编号占位符 5">
             <a:extLst>
               <a:ext uri="{FF2B5EF4-FFF2-40B4-BE49-F238E27FC236}">
-                <a16:creationId xmlns:a16="http://schemas.microsoft.com/office/drawing/2014/main" id="{F222CF5E-6168-FC22-3C21-0822881A040B}"/>
+                <a16:creationId xmlns:a16="http://schemas.microsoft.com/office/drawing/2014/main" id="{EBE396DE-C9B3-38F3-0493-DF1FD2B734E1}"/>
               </a:ext>
             </a:extLst>
           </p:cNvPr>
@@ -306,7 +306,7 @@
           <a:bodyPr/>
           <a:lstStyle/>
           <a:p>
-            <a:fld id="{CB049A85-5745-4380-9203-686ABE3E6FFB}" type="slidenum">
+            <a:fld id="{19CF50ED-8BEC-43BB-999E-EF89D1DF4852}" type="slidenum">
               <a:rPr lang="zh-CN" altLang="en-US" smtClean="0"/>
               <a:t>‹#›</a:t>
             </a:fld>
@@ -317,7 +317,7 @@
     </p:spTree>
     <p:extLst>
       <p:ext uri="{BB962C8B-B14F-4D97-AF65-F5344CB8AC3E}">
-        <p14:creationId xmlns:p14="http://schemas.microsoft.com/office/powerpoint/2010/main" val="1416675532"/>
+        <p14:creationId xmlns:p14="http://schemas.microsoft.com/office/powerpoint/2010/main" val="3374549685"/>
       </p:ext>
     </p:extLst>
   </p:cSld>
@@ -349,7 +349,7 @@
           <p:cNvPr id="2" name="标题 1">
             <a:extLst>
               <a:ext uri="{FF2B5EF4-FFF2-40B4-BE49-F238E27FC236}">
-                <a16:creationId xmlns:a16="http://schemas.microsoft.com/office/drawing/2014/main" id="{30979C49-5122-B64E-A94A-A17B67BBFCD4}"/>
+                <a16:creationId xmlns:a16="http://schemas.microsoft.com/office/drawing/2014/main" id="{74A5D421-0663-421F-E0E0-060BFD7EE494}"/>
               </a:ext>
             </a:extLst>
           </p:cNvPr>
@@ -377,7 +377,7 @@
           <p:cNvPr id="3" name="竖排文字占位符 2">
             <a:extLst>
               <a:ext uri="{FF2B5EF4-FFF2-40B4-BE49-F238E27FC236}">
-                <a16:creationId xmlns:a16="http://schemas.microsoft.com/office/drawing/2014/main" id="{7B21B93D-09E8-FD5F-03F2-8548BE368A4A}"/>
+                <a16:creationId xmlns:a16="http://schemas.microsoft.com/office/drawing/2014/main" id="{E5FE53FD-40FA-D1B2-3E96-BEC4A401D9DE}"/>
               </a:ext>
             </a:extLst>
           </p:cNvPr>
@@ -434,7 +434,7 @@
           <p:cNvPr id="4" name="日期占位符 3">
             <a:extLst>
               <a:ext uri="{FF2B5EF4-FFF2-40B4-BE49-F238E27FC236}">
-                <a16:creationId xmlns:a16="http://schemas.microsoft.com/office/drawing/2014/main" id="{42440DC1-C740-76EF-D007-E94F96E15EED}"/>
+                <a16:creationId xmlns:a16="http://schemas.microsoft.com/office/drawing/2014/main" id="{231F2D5A-65D7-25AA-88C9-2098702E2F22}"/>
               </a:ext>
             </a:extLst>
           </p:cNvPr>
@@ -450,7 +450,7 @@
           <a:bodyPr/>
           <a:lstStyle/>
           <a:p>
-            <a:fld id="{54C2FFC8-D5DD-4B12-9BE7-E57C11C5DCA0}" type="datetimeFigureOut">
+            <a:fld id="{73BF88D8-B709-440F-BD5A-BD1F539FF1B5}" type="datetimeFigureOut">
               <a:rPr lang="zh-CN" altLang="en-US" smtClean="0"/>
               <a:t>2024/3/10</a:t>
             </a:fld>
@@ -463,7 +463,7 @@
           <p:cNvPr id="5" name="页脚占位符 4">
             <a:extLst>
               <a:ext uri="{FF2B5EF4-FFF2-40B4-BE49-F238E27FC236}">
-                <a16:creationId xmlns:a16="http://schemas.microsoft.com/office/drawing/2014/main" id="{FA352099-D903-7B3D-162B-E180A7475BE3}"/>
+                <a16:creationId xmlns:a16="http://schemas.microsoft.com/office/drawing/2014/main" id="{04451D9F-F8E2-FBBC-7569-658BA73709A7}"/>
               </a:ext>
             </a:extLst>
           </p:cNvPr>
@@ -488,7 +488,7 @@
           <p:cNvPr id="6" name="灯片编号占位符 5">
             <a:extLst>
               <a:ext uri="{FF2B5EF4-FFF2-40B4-BE49-F238E27FC236}">
-                <a16:creationId xmlns:a16="http://schemas.microsoft.com/office/drawing/2014/main" id="{5EB94CB8-6154-943A-F86E-03F911305D6E}"/>
+                <a16:creationId xmlns:a16="http://schemas.microsoft.com/office/drawing/2014/main" id="{3A93380A-B955-FF33-AA56-BEF194E4E253}"/>
               </a:ext>
             </a:extLst>
           </p:cNvPr>
@@ -504,7 +504,7 @@
           <a:bodyPr/>
           <a:lstStyle/>
           <a:p>
-            <a:fld id="{CB049A85-5745-4380-9203-686ABE3E6FFB}" type="slidenum">
+            <a:fld id="{19CF50ED-8BEC-43BB-999E-EF89D1DF4852}" type="slidenum">
               <a:rPr lang="zh-CN" altLang="en-US" smtClean="0"/>
               <a:t>‹#›</a:t>
             </a:fld>
@@ -515,7 +515,7 @@
     </p:spTree>
     <p:extLst>
       <p:ext uri="{BB962C8B-B14F-4D97-AF65-F5344CB8AC3E}">
-        <p14:creationId xmlns:p14="http://schemas.microsoft.com/office/powerpoint/2010/main" val="4009492753"/>
+        <p14:creationId xmlns:p14="http://schemas.microsoft.com/office/powerpoint/2010/main" val="1364620221"/>
       </p:ext>
     </p:extLst>
   </p:cSld>
@@ -547,7 +547,7 @@
           <p:cNvPr id="2" name="竖排标题 1">
             <a:extLst>
               <a:ext uri="{FF2B5EF4-FFF2-40B4-BE49-F238E27FC236}">
-                <a16:creationId xmlns:a16="http://schemas.microsoft.com/office/drawing/2014/main" id="{1E47ACDC-797A-DF10-F501-6A479498C669}"/>
+                <a16:creationId xmlns:a16="http://schemas.microsoft.com/office/drawing/2014/main" id="{A5419C77-7E90-3A0D-67C7-04ACD0F81BDE}"/>
               </a:ext>
             </a:extLst>
           </p:cNvPr>
@@ -580,7 +580,7 @@
           <p:cNvPr id="3" name="竖排文字占位符 2">
             <a:extLst>
               <a:ext uri="{FF2B5EF4-FFF2-40B4-BE49-F238E27FC236}">
-                <a16:creationId xmlns:a16="http://schemas.microsoft.com/office/drawing/2014/main" id="{A5E5B43D-8C00-A276-440D-6C5BBB4A3772}"/>
+                <a16:creationId xmlns:a16="http://schemas.microsoft.com/office/drawing/2014/main" id="{534730B2-46E0-A4B2-38F2-FC5298B5AC41}"/>
               </a:ext>
             </a:extLst>
           </p:cNvPr>
@@ -642,7 +642,7 @@
           <p:cNvPr id="4" name="日期占位符 3">
             <a:extLst>
               <a:ext uri="{FF2B5EF4-FFF2-40B4-BE49-F238E27FC236}">
-                <a16:creationId xmlns:a16="http://schemas.microsoft.com/office/drawing/2014/main" id="{E3F7D3DB-C611-4C4D-3202-95C926C09126}"/>
+                <a16:creationId xmlns:a16="http://schemas.microsoft.com/office/drawing/2014/main" id="{666EACDF-6D2D-7FB5-FC73-3E131D37D96F}"/>
               </a:ext>
             </a:extLst>
           </p:cNvPr>
@@ -658,7 +658,7 @@
           <a:bodyPr/>
           <a:lstStyle/>
           <a:p>
-            <a:fld id="{54C2FFC8-D5DD-4B12-9BE7-E57C11C5DCA0}" type="datetimeFigureOut">
+            <a:fld id="{73BF88D8-B709-440F-BD5A-BD1F539FF1B5}" type="datetimeFigureOut">
               <a:rPr lang="zh-CN" altLang="en-US" smtClean="0"/>
               <a:t>2024/3/10</a:t>
             </a:fld>
@@ -671,7 +671,7 @@
           <p:cNvPr id="5" name="页脚占位符 4">
             <a:extLst>
               <a:ext uri="{FF2B5EF4-FFF2-40B4-BE49-F238E27FC236}">
-                <a16:creationId xmlns:a16="http://schemas.microsoft.com/office/drawing/2014/main" id="{4E5A9F61-EB08-9DE8-7A8D-25633ACA6BDA}"/>
+                <a16:creationId xmlns:a16="http://schemas.microsoft.com/office/drawing/2014/main" id="{1D2CCAD4-342C-774F-0D1E-528021D696B6}"/>
               </a:ext>
             </a:extLst>
           </p:cNvPr>
@@ -696,7 +696,7 @@
           <p:cNvPr id="6" name="灯片编号占位符 5">
             <a:extLst>
               <a:ext uri="{FF2B5EF4-FFF2-40B4-BE49-F238E27FC236}">
-                <a16:creationId xmlns:a16="http://schemas.microsoft.com/office/drawing/2014/main" id="{301289BA-555A-DB5A-06E6-56889852A0E7}"/>
+                <a16:creationId xmlns:a16="http://schemas.microsoft.com/office/drawing/2014/main" id="{71FB5F3D-5EA6-7FB4-2068-7276E90DEDEB}"/>
               </a:ext>
             </a:extLst>
           </p:cNvPr>
@@ -712,7 +712,7 @@
           <a:bodyPr/>
           <a:lstStyle/>
           <a:p>
-            <a:fld id="{CB049A85-5745-4380-9203-686ABE3E6FFB}" type="slidenum">
+            <a:fld id="{19CF50ED-8BEC-43BB-999E-EF89D1DF4852}" type="slidenum">
               <a:rPr lang="zh-CN" altLang="en-US" smtClean="0"/>
               <a:t>‹#›</a:t>
             </a:fld>
@@ -723,7 +723,7 @@
     </p:spTree>
     <p:extLst>
       <p:ext uri="{BB962C8B-B14F-4D97-AF65-F5344CB8AC3E}">
-        <p14:creationId xmlns:p14="http://schemas.microsoft.com/office/powerpoint/2010/main" val="387284279"/>
+        <p14:creationId xmlns:p14="http://schemas.microsoft.com/office/powerpoint/2010/main" val="4271565102"/>
       </p:ext>
     </p:extLst>
   </p:cSld>
@@ -755,7 +755,7 @@
           <p:cNvPr id="2" name="标题 1">
             <a:extLst>
               <a:ext uri="{FF2B5EF4-FFF2-40B4-BE49-F238E27FC236}">
-                <a16:creationId xmlns:a16="http://schemas.microsoft.com/office/drawing/2014/main" id="{15BE10D1-924E-7DB1-4290-5F8DA287D002}"/>
+                <a16:creationId xmlns:a16="http://schemas.microsoft.com/office/drawing/2014/main" id="{C91DCC5E-146D-222D-ED9C-23F2CB6AB1FE}"/>
               </a:ext>
             </a:extLst>
           </p:cNvPr>
@@ -783,7 +783,7 @@
           <p:cNvPr id="3" name="内容占位符 2">
             <a:extLst>
               <a:ext uri="{FF2B5EF4-FFF2-40B4-BE49-F238E27FC236}">
-                <a16:creationId xmlns:a16="http://schemas.microsoft.com/office/drawing/2014/main" id="{32361832-2791-C2A6-60AA-5357DDECECBF}"/>
+                <a16:creationId xmlns:a16="http://schemas.microsoft.com/office/drawing/2014/main" id="{D73B174C-A819-7C29-A48C-FC97F2C389A9}"/>
               </a:ext>
             </a:extLst>
           </p:cNvPr>
@@ -840,7 +840,7 @@
           <p:cNvPr id="4" name="日期占位符 3">
             <a:extLst>
               <a:ext uri="{FF2B5EF4-FFF2-40B4-BE49-F238E27FC236}">
-                <a16:creationId xmlns:a16="http://schemas.microsoft.com/office/drawing/2014/main" id="{EC4B8BED-0777-802F-58F9-DA81EEA47623}"/>
+                <a16:creationId xmlns:a16="http://schemas.microsoft.com/office/drawing/2014/main" id="{699D88C0-5947-EBFB-BFD6-E0AE0DCD1695}"/>
               </a:ext>
             </a:extLst>
           </p:cNvPr>
@@ -856,7 +856,7 @@
           <a:bodyPr/>
           <a:lstStyle/>
           <a:p>
-            <a:fld id="{54C2FFC8-D5DD-4B12-9BE7-E57C11C5DCA0}" type="datetimeFigureOut">
+            <a:fld id="{73BF88D8-B709-440F-BD5A-BD1F539FF1B5}" type="datetimeFigureOut">
               <a:rPr lang="zh-CN" altLang="en-US" smtClean="0"/>
               <a:t>2024/3/10</a:t>
             </a:fld>
@@ -869,7 +869,7 @@
           <p:cNvPr id="5" name="页脚占位符 4">
             <a:extLst>
               <a:ext uri="{FF2B5EF4-FFF2-40B4-BE49-F238E27FC236}">
-                <a16:creationId xmlns:a16="http://schemas.microsoft.com/office/drawing/2014/main" id="{3DD949E6-EC50-245E-EDC1-2478E0EC5C7B}"/>
+                <a16:creationId xmlns:a16="http://schemas.microsoft.com/office/drawing/2014/main" id="{37E6B2A2-B25C-3DC9-DC5A-343FB1E03316}"/>
               </a:ext>
             </a:extLst>
           </p:cNvPr>
@@ -894,7 +894,7 @@
           <p:cNvPr id="6" name="灯片编号占位符 5">
             <a:extLst>
               <a:ext uri="{FF2B5EF4-FFF2-40B4-BE49-F238E27FC236}">
-                <a16:creationId xmlns:a16="http://schemas.microsoft.com/office/drawing/2014/main" id="{2283BFC4-9501-183E-9D8C-B92AD5D82C43}"/>
+                <a16:creationId xmlns:a16="http://schemas.microsoft.com/office/drawing/2014/main" id="{CC975D6A-16D0-44A8-EC4D-A696B03AF49B}"/>
               </a:ext>
             </a:extLst>
           </p:cNvPr>
@@ -910,7 +910,7 @@
           <a:bodyPr/>
           <a:lstStyle/>
           <a:p>
-            <a:fld id="{CB049A85-5745-4380-9203-686ABE3E6FFB}" type="slidenum">
+            <a:fld id="{19CF50ED-8BEC-43BB-999E-EF89D1DF4852}" type="slidenum">
               <a:rPr lang="zh-CN" altLang="en-US" smtClean="0"/>
               <a:t>‹#›</a:t>
             </a:fld>
@@ -921,7 +921,7 @@
     </p:spTree>
     <p:extLst>
       <p:ext uri="{BB962C8B-B14F-4D97-AF65-F5344CB8AC3E}">
-        <p14:creationId xmlns:p14="http://schemas.microsoft.com/office/powerpoint/2010/main" val="3697769667"/>
+        <p14:creationId xmlns:p14="http://schemas.microsoft.com/office/powerpoint/2010/main" val="4263170254"/>
       </p:ext>
     </p:extLst>
   </p:cSld>
@@ -953,7 +953,7 @@
           <p:cNvPr id="2" name="标题 1">
             <a:extLst>
               <a:ext uri="{FF2B5EF4-FFF2-40B4-BE49-F238E27FC236}">
-                <a16:creationId xmlns:a16="http://schemas.microsoft.com/office/drawing/2014/main" id="{23D6DFD9-FBB7-9E3E-AE51-EB1CF1F1BB7D}"/>
+                <a16:creationId xmlns:a16="http://schemas.microsoft.com/office/drawing/2014/main" id="{D09D9A41-2FE9-8CD8-E406-517B603BF1DD}"/>
               </a:ext>
             </a:extLst>
           </p:cNvPr>
@@ -990,7 +990,7 @@
           <p:cNvPr id="3" name="文本占位符 2">
             <a:extLst>
               <a:ext uri="{FF2B5EF4-FFF2-40B4-BE49-F238E27FC236}">
-                <a16:creationId xmlns:a16="http://schemas.microsoft.com/office/drawing/2014/main" id="{5F846CF2-6417-5D3B-FB1F-10103A8697A5}"/>
+                <a16:creationId xmlns:a16="http://schemas.microsoft.com/office/drawing/2014/main" id="{5A0E28E3-BA76-335C-6CCE-491A25398049}"/>
               </a:ext>
             </a:extLst>
           </p:cNvPr>
@@ -1115,7 +1115,7 @@
           <p:cNvPr id="4" name="日期占位符 3">
             <a:extLst>
               <a:ext uri="{FF2B5EF4-FFF2-40B4-BE49-F238E27FC236}">
-                <a16:creationId xmlns:a16="http://schemas.microsoft.com/office/drawing/2014/main" id="{A5EFEADD-CBF0-0DEC-EDB6-CA35970B6A21}"/>
+                <a16:creationId xmlns:a16="http://schemas.microsoft.com/office/drawing/2014/main" id="{93170D03-0D70-A434-B3C0-14DE0616A538}"/>
               </a:ext>
             </a:extLst>
           </p:cNvPr>
@@ -1131,7 +1131,7 @@
           <a:bodyPr/>
           <a:lstStyle/>
           <a:p>
-            <a:fld id="{54C2FFC8-D5DD-4B12-9BE7-E57C11C5DCA0}" type="datetimeFigureOut">
+            <a:fld id="{73BF88D8-B709-440F-BD5A-BD1F539FF1B5}" type="datetimeFigureOut">
               <a:rPr lang="zh-CN" altLang="en-US" smtClean="0"/>
               <a:t>2024/3/10</a:t>
             </a:fld>
@@ -1144,7 +1144,7 @@
           <p:cNvPr id="5" name="页脚占位符 4">
             <a:extLst>
               <a:ext uri="{FF2B5EF4-FFF2-40B4-BE49-F238E27FC236}">
-                <a16:creationId xmlns:a16="http://schemas.microsoft.com/office/drawing/2014/main" id="{755BC7AF-0413-B1BB-9D0C-D7BADC65C680}"/>
+                <a16:creationId xmlns:a16="http://schemas.microsoft.com/office/drawing/2014/main" id="{58FFEA9A-5854-3137-E19B-6F0254F33C3F}"/>
               </a:ext>
             </a:extLst>
           </p:cNvPr>
@@ -1169,7 +1169,7 @@
           <p:cNvPr id="6" name="灯片编号占位符 5">
             <a:extLst>
               <a:ext uri="{FF2B5EF4-FFF2-40B4-BE49-F238E27FC236}">
-                <a16:creationId xmlns:a16="http://schemas.microsoft.com/office/drawing/2014/main" id="{7120D906-D2D5-F201-4A08-051260E81A62}"/>
+                <a16:creationId xmlns:a16="http://schemas.microsoft.com/office/drawing/2014/main" id="{4D5B8157-3A82-91DB-B6DB-452A1F839E8A}"/>
               </a:ext>
             </a:extLst>
           </p:cNvPr>
@@ -1185,7 +1185,7 @@
           <a:bodyPr/>
           <a:lstStyle/>
           <a:p>
-            <a:fld id="{CB049A85-5745-4380-9203-686ABE3E6FFB}" type="slidenum">
+            <a:fld id="{19CF50ED-8BEC-43BB-999E-EF89D1DF4852}" type="slidenum">
               <a:rPr lang="zh-CN" altLang="en-US" smtClean="0"/>
               <a:t>‹#›</a:t>
             </a:fld>
@@ -1196,7 +1196,7 @@
     </p:spTree>
     <p:extLst>
       <p:ext uri="{BB962C8B-B14F-4D97-AF65-F5344CB8AC3E}">
-        <p14:creationId xmlns:p14="http://schemas.microsoft.com/office/powerpoint/2010/main" val="3995289613"/>
+        <p14:creationId xmlns:p14="http://schemas.microsoft.com/office/powerpoint/2010/main" val="1937838366"/>
       </p:ext>
     </p:extLst>
   </p:cSld>
@@ -1228,7 +1228,7 @@
           <p:cNvPr id="2" name="标题 1">
             <a:extLst>
               <a:ext uri="{FF2B5EF4-FFF2-40B4-BE49-F238E27FC236}">
-                <a16:creationId xmlns:a16="http://schemas.microsoft.com/office/drawing/2014/main" id="{1C205748-A563-E606-CC22-83BD102335A4}"/>
+                <a16:creationId xmlns:a16="http://schemas.microsoft.com/office/drawing/2014/main" id="{26DF79BC-0312-B736-D938-F66DC2671B40}"/>
               </a:ext>
             </a:extLst>
           </p:cNvPr>
@@ -1256,7 +1256,7 @@
           <p:cNvPr id="3" name="内容占位符 2">
             <a:extLst>
               <a:ext uri="{FF2B5EF4-FFF2-40B4-BE49-F238E27FC236}">
-                <a16:creationId xmlns:a16="http://schemas.microsoft.com/office/drawing/2014/main" id="{4DC48A8B-5E93-CBDC-7846-BFA29E9A8565}"/>
+                <a16:creationId xmlns:a16="http://schemas.microsoft.com/office/drawing/2014/main" id="{81D0E21A-7282-3D9F-B0D4-8BD07B98CD6A}"/>
               </a:ext>
             </a:extLst>
           </p:cNvPr>
@@ -1318,7 +1318,7 @@
           <p:cNvPr id="4" name="内容占位符 3">
             <a:extLst>
               <a:ext uri="{FF2B5EF4-FFF2-40B4-BE49-F238E27FC236}">
-                <a16:creationId xmlns:a16="http://schemas.microsoft.com/office/drawing/2014/main" id="{D5F5AC20-2BDD-E735-FC3D-07D7F3274106}"/>
+                <a16:creationId xmlns:a16="http://schemas.microsoft.com/office/drawing/2014/main" id="{5A6443AB-A900-6A84-0626-15CB729C7606}"/>
               </a:ext>
             </a:extLst>
           </p:cNvPr>
@@ -1380,7 +1380,7 @@
           <p:cNvPr id="5" name="日期占位符 4">
             <a:extLst>
               <a:ext uri="{FF2B5EF4-FFF2-40B4-BE49-F238E27FC236}">
-                <a16:creationId xmlns:a16="http://schemas.microsoft.com/office/drawing/2014/main" id="{CE980893-EB2A-85F0-5605-E7E6966920F0}"/>
+                <a16:creationId xmlns:a16="http://schemas.microsoft.com/office/drawing/2014/main" id="{80FE75AB-A20F-AD59-C8CB-CB9B9ACD9AC2}"/>
               </a:ext>
             </a:extLst>
           </p:cNvPr>
@@ -1396,7 +1396,7 @@
           <a:bodyPr/>
           <a:lstStyle/>
           <a:p>
-            <a:fld id="{54C2FFC8-D5DD-4B12-9BE7-E57C11C5DCA0}" type="datetimeFigureOut">
+            <a:fld id="{73BF88D8-B709-440F-BD5A-BD1F539FF1B5}" type="datetimeFigureOut">
               <a:rPr lang="zh-CN" altLang="en-US" smtClean="0"/>
               <a:t>2024/3/10</a:t>
             </a:fld>
@@ -1409,7 +1409,7 @@
           <p:cNvPr id="6" name="页脚占位符 5">
             <a:extLst>
               <a:ext uri="{FF2B5EF4-FFF2-40B4-BE49-F238E27FC236}">
-                <a16:creationId xmlns:a16="http://schemas.microsoft.com/office/drawing/2014/main" id="{91A7346F-5211-6A32-6951-C1C9422FDC77}"/>
+                <a16:creationId xmlns:a16="http://schemas.microsoft.com/office/drawing/2014/main" id="{771B84D3-4317-9FCE-2422-CE2258F06A08}"/>
               </a:ext>
             </a:extLst>
           </p:cNvPr>
@@ -1434,7 +1434,7 @@
           <p:cNvPr id="7" name="灯片编号占位符 6">
             <a:extLst>
               <a:ext uri="{FF2B5EF4-FFF2-40B4-BE49-F238E27FC236}">
-                <a16:creationId xmlns:a16="http://schemas.microsoft.com/office/drawing/2014/main" id="{A8E1F840-710C-E202-5FD2-5EB19BC74EC0}"/>
+                <a16:creationId xmlns:a16="http://schemas.microsoft.com/office/drawing/2014/main" id="{D07F233F-38B4-C781-BC64-90A5DDBD7E7D}"/>
               </a:ext>
             </a:extLst>
           </p:cNvPr>
@@ -1450,7 +1450,7 @@
           <a:bodyPr/>
           <a:lstStyle/>
           <a:p>
-            <a:fld id="{CB049A85-5745-4380-9203-686ABE3E6FFB}" type="slidenum">
+            <a:fld id="{19CF50ED-8BEC-43BB-999E-EF89D1DF4852}" type="slidenum">
               <a:rPr lang="zh-CN" altLang="en-US" smtClean="0"/>
               <a:t>‹#›</a:t>
             </a:fld>
@@ -1461,7 +1461,7 @@
     </p:spTree>
     <p:extLst>
       <p:ext uri="{BB962C8B-B14F-4D97-AF65-F5344CB8AC3E}">
-        <p14:creationId xmlns:p14="http://schemas.microsoft.com/office/powerpoint/2010/main" val="3635702797"/>
+        <p14:creationId xmlns:p14="http://schemas.microsoft.com/office/powerpoint/2010/main" val="781713934"/>
       </p:ext>
     </p:extLst>
   </p:cSld>
@@ -1493,7 +1493,7 @@
           <p:cNvPr id="2" name="标题 1">
             <a:extLst>
               <a:ext uri="{FF2B5EF4-FFF2-40B4-BE49-F238E27FC236}">
-                <a16:creationId xmlns:a16="http://schemas.microsoft.com/office/drawing/2014/main" id="{48C30281-B3C1-F969-C826-9D70F2E21603}"/>
+                <a16:creationId xmlns:a16="http://schemas.microsoft.com/office/drawing/2014/main" id="{972CF364-CFED-EE7C-73EF-1B830DE07150}"/>
               </a:ext>
             </a:extLst>
           </p:cNvPr>
@@ -1526,7 +1526,7 @@
           <p:cNvPr id="3" name="文本占位符 2">
             <a:extLst>
               <a:ext uri="{FF2B5EF4-FFF2-40B4-BE49-F238E27FC236}">
-                <a16:creationId xmlns:a16="http://schemas.microsoft.com/office/drawing/2014/main" id="{871876B5-0270-8181-7E66-98E7A2A6AE09}"/>
+                <a16:creationId xmlns:a16="http://schemas.microsoft.com/office/drawing/2014/main" id="{0747F4E9-F2A5-8401-FFFF-5480D5E71810}"/>
               </a:ext>
             </a:extLst>
           </p:cNvPr>
@@ -1597,7 +1597,7 @@
           <p:cNvPr id="4" name="内容占位符 3">
             <a:extLst>
               <a:ext uri="{FF2B5EF4-FFF2-40B4-BE49-F238E27FC236}">
-                <a16:creationId xmlns:a16="http://schemas.microsoft.com/office/drawing/2014/main" id="{BE94BF0D-109C-3352-0F20-F420E57AAB3F}"/>
+                <a16:creationId xmlns:a16="http://schemas.microsoft.com/office/drawing/2014/main" id="{0CD87955-B443-3D09-9FC0-CD0C2D92AFFC}"/>
               </a:ext>
             </a:extLst>
           </p:cNvPr>
@@ -1659,7 +1659,7 @@
           <p:cNvPr id="5" name="文本占位符 4">
             <a:extLst>
               <a:ext uri="{FF2B5EF4-FFF2-40B4-BE49-F238E27FC236}">
-                <a16:creationId xmlns:a16="http://schemas.microsoft.com/office/drawing/2014/main" id="{A139CB37-9338-CA87-BCF2-262F7462A907}"/>
+                <a16:creationId xmlns:a16="http://schemas.microsoft.com/office/drawing/2014/main" id="{D2690BA3-F719-8AA6-0C3F-BA631D745A6D}"/>
               </a:ext>
             </a:extLst>
           </p:cNvPr>
@@ -1730,7 +1730,7 @@
           <p:cNvPr id="6" name="内容占位符 5">
             <a:extLst>
               <a:ext uri="{FF2B5EF4-FFF2-40B4-BE49-F238E27FC236}">
-                <a16:creationId xmlns:a16="http://schemas.microsoft.com/office/drawing/2014/main" id="{5222CD0B-934F-77FF-E414-AF6E8A03F899}"/>
+                <a16:creationId xmlns:a16="http://schemas.microsoft.com/office/drawing/2014/main" id="{35B4E2FF-790A-1726-70A7-D0A22E82306B}"/>
               </a:ext>
             </a:extLst>
           </p:cNvPr>
@@ -1792,7 +1792,7 @@
           <p:cNvPr id="7" name="日期占位符 6">
             <a:extLst>
               <a:ext uri="{FF2B5EF4-FFF2-40B4-BE49-F238E27FC236}">
-                <a16:creationId xmlns:a16="http://schemas.microsoft.com/office/drawing/2014/main" id="{FA1CEC07-4422-EC08-BE91-8E21363960D2}"/>
+                <a16:creationId xmlns:a16="http://schemas.microsoft.com/office/drawing/2014/main" id="{098584A5-E69F-686D-39D6-730568186DA5}"/>
               </a:ext>
             </a:extLst>
           </p:cNvPr>
@@ -1808,7 +1808,7 @@
           <a:bodyPr/>
           <a:lstStyle/>
           <a:p>
-            <a:fld id="{54C2FFC8-D5DD-4B12-9BE7-E57C11C5DCA0}" type="datetimeFigureOut">
+            <a:fld id="{73BF88D8-B709-440F-BD5A-BD1F539FF1B5}" type="datetimeFigureOut">
               <a:rPr lang="zh-CN" altLang="en-US" smtClean="0"/>
               <a:t>2024/3/10</a:t>
             </a:fld>
@@ -1821,7 +1821,7 @@
           <p:cNvPr id="8" name="页脚占位符 7">
             <a:extLst>
               <a:ext uri="{FF2B5EF4-FFF2-40B4-BE49-F238E27FC236}">
-                <a16:creationId xmlns:a16="http://schemas.microsoft.com/office/drawing/2014/main" id="{8CB49A5A-D8F6-481F-1D3C-EE9650312F3B}"/>
+                <a16:creationId xmlns:a16="http://schemas.microsoft.com/office/drawing/2014/main" id="{76EAC253-831A-151D-446F-52D1790F87C6}"/>
               </a:ext>
             </a:extLst>
           </p:cNvPr>
@@ -1846,7 +1846,7 @@
           <p:cNvPr id="9" name="灯片编号占位符 8">
             <a:extLst>
               <a:ext uri="{FF2B5EF4-FFF2-40B4-BE49-F238E27FC236}">
-                <a16:creationId xmlns:a16="http://schemas.microsoft.com/office/drawing/2014/main" id="{50A68155-6E1E-F8CD-8554-EC6975D88998}"/>
+                <a16:creationId xmlns:a16="http://schemas.microsoft.com/office/drawing/2014/main" id="{F1B63B81-C80E-9577-F2FD-9E0DB7C9956D}"/>
               </a:ext>
             </a:extLst>
           </p:cNvPr>
@@ -1862,7 +1862,7 @@
           <a:bodyPr/>
           <a:lstStyle/>
           <a:p>
-            <a:fld id="{CB049A85-5745-4380-9203-686ABE3E6FFB}" type="slidenum">
+            <a:fld id="{19CF50ED-8BEC-43BB-999E-EF89D1DF4852}" type="slidenum">
               <a:rPr lang="zh-CN" altLang="en-US" smtClean="0"/>
               <a:t>‹#›</a:t>
             </a:fld>
@@ -1873,7 +1873,7 @@
     </p:spTree>
     <p:extLst>
       <p:ext uri="{BB962C8B-B14F-4D97-AF65-F5344CB8AC3E}">
-        <p14:creationId xmlns:p14="http://schemas.microsoft.com/office/powerpoint/2010/main" val="4281687419"/>
+        <p14:creationId xmlns:p14="http://schemas.microsoft.com/office/powerpoint/2010/main" val="690691159"/>
       </p:ext>
     </p:extLst>
   </p:cSld>
@@ -1905,7 +1905,7 @@
           <p:cNvPr id="2" name="标题 1">
             <a:extLst>
               <a:ext uri="{FF2B5EF4-FFF2-40B4-BE49-F238E27FC236}">
-                <a16:creationId xmlns:a16="http://schemas.microsoft.com/office/drawing/2014/main" id="{E17263FE-7251-A96E-2584-1AAADFB2D9B9}"/>
+                <a16:creationId xmlns:a16="http://schemas.microsoft.com/office/drawing/2014/main" id="{195268D0-6056-AA5B-BCD2-5B38168A0E74}"/>
               </a:ext>
             </a:extLst>
           </p:cNvPr>
@@ -1933,7 +1933,7 @@
           <p:cNvPr id="3" name="日期占位符 2">
             <a:extLst>
               <a:ext uri="{FF2B5EF4-FFF2-40B4-BE49-F238E27FC236}">
-                <a16:creationId xmlns:a16="http://schemas.microsoft.com/office/drawing/2014/main" id="{534EE123-2D33-258A-9441-30E32D584C11}"/>
+                <a16:creationId xmlns:a16="http://schemas.microsoft.com/office/drawing/2014/main" id="{C28169A7-F4D6-CDA4-7804-061D28D860CB}"/>
               </a:ext>
             </a:extLst>
           </p:cNvPr>
@@ -1949,7 +1949,7 @@
           <a:bodyPr/>
           <a:lstStyle/>
           <a:p>
-            <a:fld id="{54C2FFC8-D5DD-4B12-9BE7-E57C11C5DCA0}" type="datetimeFigureOut">
+            <a:fld id="{73BF88D8-B709-440F-BD5A-BD1F539FF1B5}" type="datetimeFigureOut">
               <a:rPr lang="zh-CN" altLang="en-US" smtClean="0"/>
               <a:t>2024/3/10</a:t>
             </a:fld>
@@ -1962,7 +1962,7 @@
           <p:cNvPr id="4" name="页脚占位符 3">
             <a:extLst>
               <a:ext uri="{FF2B5EF4-FFF2-40B4-BE49-F238E27FC236}">
-                <a16:creationId xmlns:a16="http://schemas.microsoft.com/office/drawing/2014/main" id="{936F0AE7-3CC8-AC58-3EB0-54E5209097AD}"/>
+                <a16:creationId xmlns:a16="http://schemas.microsoft.com/office/drawing/2014/main" id="{8218B338-954C-036D-E219-FB3CE04947FC}"/>
               </a:ext>
             </a:extLst>
           </p:cNvPr>
@@ -1987,7 +1987,7 @@
           <p:cNvPr id="5" name="灯片编号占位符 4">
             <a:extLst>
               <a:ext uri="{FF2B5EF4-FFF2-40B4-BE49-F238E27FC236}">
-                <a16:creationId xmlns:a16="http://schemas.microsoft.com/office/drawing/2014/main" id="{61F55AEF-2A43-DCBE-26A6-586978AE7BF7}"/>
+                <a16:creationId xmlns:a16="http://schemas.microsoft.com/office/drawing/2014/main" id="{D120060E-5344-12F2-5D5B-A6D44C63B09E}"/>
               </a:ext>
             </a:extLst>
           </p:cNvPr>
@@ -2003,7 +2003,7 @@
           <a:bodyPr/>
           <a:lstStyle/>
           <a:p>
-            <a:fld id="{CB049A85-5745-4380-9203-686ABE3E6FFB}" type="slidenum">
+            <a:fld id="{19CF50ED-8BEC-43BB-999E-EF89D1DF4852}" type="slidenum">
               <a:rPr lang="zh-CN" altLang="en-US" smtClean="0"/>
               <a:t>‹#›</a:t>
             </a:fld>
@@ -2014,7 +2014,7 @@
     </p:spTree>
     <p:extLst>
       <p:ext uri="{BB962C8B-B14F-4D97-AF65-F5344CB8AC3E}">
-        <p14:creationId xmlns:p14="http://schemas.microsoft.com/office/powerpoint/2010/main" val="1025548504"/>
+        <p14:creationId xmlns:p14="http://schemas.microsoft.com/office/powerpoint/2010/main" val="2761650664"/>
       </p:ext>
     </p:extLst>
   </p:cSld>
@@ -2046,7 +2046,7 @@
           <p:cNvPr id="2" name="日期占位符 1">
             <a:extLst>
               <a:ext uri="{FF2B5EF4-FFF2-40B4-BE49-F238E27FC236}">
-                <a16:creationId xmlns:a16="http://schemas.microsoft.com/office/drawing/2014/main" id="{E2E80181-4D96-3813-276E-BB60EB130801}"/>
+                <a16:creationId xmlns:a16="http://schemas.microsoft.com/office/drawing/2014/main" id="{90546389-8941-3A00-B1D9-6EB6A9F1B2AF}"/>
               </a:ext>
             </a:extLst>
           </p:cNvPr>
@@ -2062,7 +2062,7 @@
           <a:bodyPr/>
           <a:lstStyle/>
           <a:p>
-            <a:fld id="{54C2FFC8-D5DD-4B12-9BE7-E57C11C5DCA0}" type="datetimeFigureOut">
+            <a:fld id="{73BF88D8-B709-440F-BD5A-BD1F539FF1B5}" type="datetimeFigureOut">
               <a:rPr lang="zh-CN" altLang="en-US" smtClean="0"/>
               <a:t>2024/3/10</a:t>
             </a:fld>
@@ -2075,7 +2075,7 @@
           <p:cNvPr id="3" name="页脚占位符 2">
             <a:extLst>
               <a:ext uri="{FF2B5EF4-FFF2-40B4-BE49-F238E27FC236}">
-                <a16:creationId xmlns:a16="http://schemas.microsoft.com/office/drawing/2014/main" id="{AC66F655-FCD6-9744-B92D-2D5065C6482D}"/>
+                <a16:creationId xmlns:a16="http://schemas.microsoft.com/office/drawing/2014/main" id="{FA293C84-DA63-9B61-51CB-9CFAD6696A2C}"/>
               </a:ext>
             </a:extLst>
           </p:cNvPr>
@@ -2100,7 +2100,7 @@
           <p:cNvPr id="4" name="灯片编号占位符 3">
             <a:extLst>
               <a:ext uri="{FF2B5EF4-FFF2-40B4-BE49-F238E27FC236}">
-                <a16:creationId xmlns:a16="http://schemas.microsoft.com/office/drawing/2014/main" id="{D69EEF09-1FC7-C6C8-346D-BB524F7FD664}"/>
+                <a16:creationId xmlns:a16="http://schemas.microsoft.com/office/drawing/2014/main" id="{BCC530FF-EA56-94FE-4759-AE97C1F0C907}"/>
               </a:ext>
             </a:extLst>
           </p:cNvPr>
@@ -2116,7 +2116,7 @@
           <a:bodyPr/>
           <a:lstStyle/>
           <a:p>
-            <a:fld id="{CB049A85-5745-4380-9203-686ABE3E6FFB}" type="slidenum">
+            <a:fld id="{19CF50ED-8BEC-43BB-999E-EF89D1DF4852}" type="slidenum">
               <a:rPr lang="zh-CN" altLang="en-US" smtClean="0"/>
               <a:t>‹#›</a:t>
             </a:fld>
@@ -2127,7 +2127,7 @@
     </p:spTree>
     <p:extLst>
       <p:ext uri="{BB962C8B-B14F-4D97-AF65-F5344CB8AC3E}">
-        <p14:creationId xmlns:p14="http://schemas.microsoft.com/office/powerpoint/2010/main" val="2447720103"/>
+        <p14:creationId xmlns:p14="http://schemas.microsoft.com/office/powerpoint/2010/main" val="4271979865"/>
       </p:ext>
     </p:extLst>
   </p:cSld>
@@ -2159,7 +2159,7 @@
           <p:cNvPr id="2" name="标题 1">
             <a:extLst>
               <a:ext uri="{FF2B5EF4-FFF2-40B4-BE49-F238E27FC236}">
-                <a16:creationId xmlns:a16="http://schemas.microsoft.com/office/drawing/2014/main" id="{5BABA720-2408-0579-9937-A082D692EE2A}"/>
+                <a16:creationId xmlns:a16="http://schemas.microsoft.com/office/drawing/2014/main" id="{C2DAE4B6-C258-E2D8-0D17-6D69D2C04B4A}"/>
               </a:ext>
             </a:extLst>
           </p:cNvPr>
@@ -2196,7 +2196,7 @@
           <p:cNvPr id="3" name="内容占位符 2">
             <a:extLst>
               <a:ext uri="{FF2B5EF4-FFF2-40B4-BE49-F238E27FC236}">
-                <a16:creationId xmlns:a16="http://schemas.microsoft.com/office/drawing/2014/main" id="{B4C5B905-58FC-ECB3-DE60-122F446AFF01}"/>
+                <a16:creationId xmlns:a16="http://schemas.microsoft.com/office/drawing/2014/main" id="{3DC4CA27-1970-693F-2838-19F83E06F4B4}"/>
               </a:ext>
             </a:extLst>
           </p:cNvPr>
@@ -2286,7 +2286,7 @@
           <p:cNvPr id="4" name="文本占位符 3">
             <a:extLst>
               <a:ext uri="{FF2B5EF4-FFF2-40B4-BE49-F238E27FC236}">
-                <a16:creationId xmlns:a16="http://schemas.microsoft.com/office/drawing/2014/main" id="{1CF37153-66CD-D77C-F817-288BA9CD32DD}"/>
+                <a16:creationId xmlns:a16="http://schemas.microsoft.com/office/drawing/2014/main" id="{4E7EA508-EC61-FEA3-847E-FF9FF562E877}"/>
               </a:ext>
             </a:extLst>
           </p:cNvPr>
@@ -2357,7 +2357,7 @@
           <p:cNvPr id="5" name="日期占位符 4">
             <a:extLst>
               <a:ext uri="{FF2B5EF4-FFF2-40B4-BE49-F238E27FC236}">
-                <a16:creationId xmlns:a16="http://schemas.microsoft.com/office/drawing/2014/main" id="{571064C1-AE22-E74A-761B-FE1B6398A2E8}"/>
+                <a16:creationId xmlns:a16="http://schemas.microsoft.com/office/drawing/2014/main" id="{7229F00D-DE18-CE83-B64A-48F7016AC6C9}"/>
               </a:ext>
             </a:extLst>
           </p:cNvPr>
@@ -2373,7 +2373,7 @@
           <a:bodyPr/>
           <a:lstStyle/>
           <a:p>
-            <a:fld id="{54C2FFC8-D5DD-4B12-9BE7-E57C11C5DCA0}" type="datetimeFigureOut">
+            <a:fld id="{73BF88D8-B709-440F-BD5A-BD1F539FF1B5}" type="datetimeFigureOut">
               <a:rPr lang="zh-CN" altLang="en-US" smtClean="0"/>
               <a:t>2024/3/10</a:t>
             </a:fld>
@@ -2386,7 +2386,7 @@
           <p:cNvPr id="6" name="页脚占位符 5">
             <a:extLst>
               <a:ext uri="{FF2B5EF4-FFF2-40B4-BE49-F238E27FC236}">
-                <a16:creationId xmlns:a16="http://schemas.microsoft.com/office/drawing/2014/main" id="{61CCA603-C206-369A-B55D-3BAEF0B6604B}"/>
+                <a16:creationId xmlns:a16="http://schemas.microsoft.com/office/drawing/2014/main" id="{17A4DD4D-9EA6-5F74-9A3C-EBBE71F6118B}"/>
               </a:ext>
             </a:extLst>
           </p:cNvPr>
@@ -2411,7 +2411,7 @@
           <p:cNvPr id="7" name="灯片编号占位符 6">
             <a:extLst>
               <a:ext uri="{FF2B5EF4-FFF2-40B4-BE49-F238E27FC236}">
-                <a16:creationId xmlns:a16="http://schemas.microsoft.com/office/drawing/2014/main" id="{2A8D9C0B-3DC9-37C6-FC54-E4BDE12BD41C}"/>
+                <a16:creationId xmlns:a16="http://schemas.microsoft.com/office/drawing/2014/main" id="{04F34DCA-A382-A3B1-75FE-010663266329}"/>
               </a:ext>
             </a:extLst>
           </p:cNvPr>
@@ -2427,7 +2427,7 @@
           <a:bodyPr/>
           <a:lstStyle/>
           <a:p>
-            <a:fld id="{CB049A85-5745-4380-9203-686ABE3E6FFB}" type="slidenum">
+            <a:fld id="{19CF50ED-8BEC-43BB-999E-EF89D1DF4852}" type="slidenum">
               <a:rPr lang="zh-CN" altLang="en-US" smtClean="0"/>
               <a:t>‹#›</a:t>
             </a:fld>
@@ -2438,7 +2438,7 @@
     </p:spTree>
     <p:extLst>
       <p:ext uri="{BB962C8B-B14F-4D97-AF65-F5344CB8AC3E}">
-        <p14:creationId xmlns:p14="http://schemas.microsoft.com/office/powerpoint/2010/main" val="3514360031"/>
+        <p14:creationId xmlns:p14="http://schemas.microsoft.com/office/powerpoint/2010/main" val="1719778818"/>
       </p:ext>
     </p:extLst>
   </p:cSld>
@@ -2470,7 +2470,7 @@
           <p:cNvPr id="2" name="标题 1">
             <a:extLst>
               <a:ext uri="{FF2B5EF4-FFF2-40B4-BE49-F238E27FC236}">
-                <a16:creationId xmlns:a16="http://schemas.microsoft.com/office/drawing/2014/main" id="{D2E6B493-950D-4931-AFE7-4C5F424587F4}"/>
+                <a16:creationId xmlns:a16="http://schemas.microsoft.com/office/drawing/2014/main" id="{A635F7D1-016E-D1D0-2516-E1C844E6EA90}"/>
               </a:ext>
             </a:extLst>
           </p:cNvPr>
@@ -2507,7 +2507,7 @@
           <p:cNvPr id="3" name="图片占位符 2">
             <a:extLst>
               <a:ext uri="{FF2B5EF4-FFF2-40B4-BE49-F238E27FC236}">
-                <a16:creationId xmlns:a16="http://schemas.microsoft.com/office/drawing/2014/main" id="{868EABA3-12EE-4DC9-03D2-1045310A2A49}"/>
+                <a16:creationId xmlns:a16="http://schemas.microsoft.com/office/drawing/2014/main" id="{BC6ED27C-6209-644C-87FD-9741AF1DDE2B}"/>
               </a:ext>
             </a:extLst>
           </p:cNvPr>
@@ -2574,7 +2574,7 @@
           <p:cNvPr id="4" name="文本占位符 3">
             <a:extLst>
               <a:ext uri="{FF2B5EF4-FFF2-40B4-BE49-F238E27FC236}">
-                <a16:creationId xmlns:a16="http://schemas.microsoft.com/office/drawing/2014/main" id="{010FE404-9EAC-E934-AD09-37CD1DB423BC}"/>
+                <a16:creationId xmlns:a16="http://schemas.microsoft.com/office/drawing/2014/main" id="{CCC6A894-0F6D-AA06-B339-212008D88692}"/>
               </a:ext>
             </a:extLst>
           </p:cNvPr>
@@ -2645,7 +2645,7 @@
           <p:cNvPr id="5" name="日期占位符 4">
             <a:extLst>
               <a:ext uri="{FF2B5EF4-FFF2-40B4-BE49-F238E27FC236}">
-                <a16:creationId xmlns:a16="http://schemas.microsoft.com/office/drawing/2014/main" id="{1AE6C798-782B-8375-5388-CE66E12EDFFE}"/>
+                <a16:creationId xmlns:a16="http://schemas.microsoft.com/office/drawing/2014/main" id="{7BF99FC6-15E3-2ED6-F73E-48EA9C7E92C4}"/>
               </a:ext>
             </a:extLst>
           </p:cNvPr>
@@ -2661,7 +2661,7 @@
           <a:bodyPr/>
           <a:lstStyle/>
           <a:p>
-            <a:fld id="{54C2FFC8-D5DD-4B12-9BE7-E57C11C5DCA0}" type="datetimeFigureOut">
+            <a:fld id="{73BF88D8-B709-440F-BD5A-BD1F539FF1B5}" type="datetimeFigureOut">
               <a:rPr lang="zh-CN" altLang="en-US" smtClean="0"/>
               <a:t>2024/3/10</a:t>
             </a:fld>
@@ -2674,7 +2674,7 @@
           <p:cNvPr id="6" name="页脚占位符 5">
             <a:extLst>
               <a:ext uri="{FF2B5EF4-FFF2-40B4-BE49-F238E27FC236}">
-                <a16:creationId xmlns:a16="http://schemas.microsoft.com/office/drawing/2014/main" id="{A6E42159-D5A2-E512-B890-F6E3538FE2D7}"/>
+                <a16:creationId xmlns:a16="http://schemas.microsoft.com/office/drawing/2014/main" id="{13D87173-91E9-B853-8001-BA585A0D5E90}"/>
               </a:ext>
             </a:extLst>
           </p:cNvPr>
@@ -2699,7 +2699,7 @@
           <p:cNvPr id="7" name="灯片编号占位符 6">
             <a:extLst>
               <a:ext uri="{FF2B5EF4-FFF2-40B4-BE49-F238E27FC236}">
-                <a16:creationId xmlns:a16="http://schemas.microsoft.com/office/drawing/2014/main" id="{C3134E0C-D323-84B7-75BD-BCAEDEA146A0}"/>
+                <a16:creationId xmlns:a16="http://schemas.microsoft.com/office/drawing/2014/main" id="{0B915566-36A3-7E93-54D9-802F4A42D579}"/>
               </a:ext>
             </a:extLst>
           </p:cNvPr>
@@ -2715,7 +2715,7 @@
           <a:bodyPr/>
           <a:lstStyle/>
           <a:p>
-            <a:fld id="{CB049A85-5745-4380-9203-686ABE3E6FFB}" type="slidenum">
+            <a:fld id="{19CF50ED-8BEC-43BB-999E-EF89D1DF4852}" type="slidenum">
               <a:rPr lang="zh-CN" altLang="en-US" smtClean="0"/>
               <a:t>‹#›</a:t>
             </a:fld>
@@ -2726,7 +2726,7 @@
     </p:spTree>
     <p:extLst>
       <p:ext uri="{BB962C8B-B14F-4D97-AF65-F5344CB8AC3E}">
-        <p14:creationId xmlns:p14="http://schemas.microsoft.com/office/powerpoint/2010/main" val="2787821988"/>
+        <p14:creationId xmlns:p14="http://schemas.microsoft.com/office/powerpoint/2010/main" val="3601865938"/>
       </p:ext>
     </p:extLst>
   </p:cSld>
@@ -2763,7 +2763,7 @@
           <p:cNvPr id="2" name="标题占位符 1">
             <a:extLst>
               <a:ext uri="{FF2B5EF4-FFF2-40B4-BE49-F238E27FC236}">
-                <a16:creationId xmlns:a16="http://schemas.microsoft.com/office/drawing/2014/main" id="{124C519F-481C-493B-CB77-B4051FAB7A22}"/>
+                <a16:creationId xmlns:a16="http://schemas.microsoft.com/office/drawing/2014/main" id="{DB4E9142-AA28-6331-AB3E-3386DACC6658}"/>
               </a:ext>
             </a:extLst>
           </p:cNvPr>
@@ -2801,7 +2801,7 @@
           <p:cNvPr id="3" name="文本占位符 2">
             <a:extLst>
               <a:ext uri="{FF2B5EF4-FFF2-40B4-BE49-F238E27FC236}">
-                <a16:creationId xmlns:a16="http://schemas.microsoft.com/office/drawing/2014/main" id="{0D485B5B-5976-E975-2242-67CD78EA1D8C}"/>
+                <a16:creationId xmlns:a16="http://schemas.microsoft.com/office/drawing/2014/main" id="{2C3AE67E-E7A2-D25E-E9B1-B3798380F698}"/>
               </a:ext>
             </a:extLst>
           </p:cNvPr>
@@ -2868,7 +2868,7 @@
           <p:cNvPr id="4" name="日期占位符 3">
             <a:extLst>
               <a:ext uri="{FF2B5EF4-FFF2-40B4-BE49-F238E27FC236}">
-                <a16:creationId xmlns:a16="http://schemas.microsoft.com/office/drawing/2014/main" id="{08731FC9-FDB7-4A50-2558-157FD9ED2AEF}"/>
+                <a16:creationId xmlns:a16="http://schemas.microsoft.com/office/drawing/2014/main" id="{CFD640DA-1E9D-2537-6B13-5C732D981D58}"/>
               </a:ext>
             </a:extLst>
           </p:cNvPr>
@@ -2902,7 +2902,7 @@
             </a:lvl1pPr>
           </a:lstStyle>
           <a:p>
-            <a:fld id="{54C2FFC8-D5DD-4B12-9BE7-E57C11C5DCA0}" type="datetimeFigureOut">
+            <a:fld id="{73BF88D8-B709-440F-BD5A-BD1F539FF1B5}" type="datetimeFigureOut">
               <a:rPr lang="zh-CN" altLang="en-US" smtClean="0"/>
               <a:t>2024/3/10</a:t>
             </a:fld>
@@ -2915,7 +2915,7 @@
           <p:cNvPr id="5" name="页脚占位符 4">
             <a:extLst>
               <a:ext uri="{FF2B5EF4-FFF2-40B4-BE49-F238E27FC236}">
-                <a16:creationId xmlns:a16="http://schemas.microsoft.com/office/drawing/2014/main" id="{B6FA1291-56E5-A8CF-79D8-9B6FEF86799E}"/>
+                <a16:creationId xmlns:a16="http://schemas.microsoft.com/office/drawing/2014/main" id="{E728948C-E560-0131-C6C5-0BDB9FBF60AF}"/>
               </a:ext>
             </a:extLst>
           </p:cNvPr>
@@ -2958,7 +2958,7 @@
           <p:cNvPr id="6" name="灯片编号占位符 5">
             <a:extLst>
               <a:ext uri="{FF2B5EF4-FFF2-40B4-BE49-F238E27FC236}">
-                <a16:creationId xmlns:a16="http://schemas.microsoft.com/office/drawing/2014/main" id="{F0E46C1D-3D9E-7008-231E-41ECD5BAD576}"/>
+                <a16:creationId xmlns:a16="http://schemas.microsoft.com/office/drawing/2014/main" id="{C14ED86F-4B7E-C834-15FE-6A6028F547E9}"/>
               </a:ext>
             </a:extLst>
           </p:cNvPr>
@@ -2992,7 +2992,7 @@
             </a:lvl1pPr>
           </a:lstStyle>
           <a:p>
-            <a:fld id="{CB049A85-5745-4380-9203-686ABE3E6FFB}" type="slidenum">
+            <a:fld id="{19CF50ED-8BEC-43BB-999E-EF89D1DF4852}" type="slidenum">
               <a:rPr lang="zh-CN" altLang="en-US" smtClean="0"/>
               <a:t>‹#›</a:t>
             </a:fld>
@@ -3003,7 +3003,7 @@
     </p:spTree>
     <p:extLst>
       <p:ext uri="{BB962C8B-B14F-4D97-AF65-F5344CB8AC3E}">
-        <p14:creationId xmlns:p14="http://schemas.microsoft.com/office/powerpoint/2010/main" val="3658515189"/>
+        <p14:creationId xmlns:p14="http://schemas.microsoft.com/office/powerpoint/2010/main" val="2313459184"/>
       </p:ext>
     </p:extLst>
   </p:cSld>
@@ -3323,7 +3323,7 @@
       </p:grpSpPr>
       <p:pic>
         <p:nvPicPr>
-          <p:cNvPr id="986114" name="Picture 2" descr="962"/>
+          <p:cNvPr id="987138" name="Picture 2" descr="963"/>
           <p:cNvPicPr>
             <a:picLocks noChangeAspect="1" noChangeArrowheads="1"/>
           </p:cNvPicPr>
